--- a/戦闘演出仕様.pptx
+++ b/戦闘演出仕様.pptx
@@ -3933,6 +3933,94 @@
           </a:prstGeom>
         </p:spPr>
       </p:pic>
+      <p:sp>
+        <p:nvSpPr>
+          <p:cNvPr id="3" name="線吹き出し 2 (枠付き) 2"/>
+          <p:cNvSpPr/>
+          <p:nvPr/>
+        </p:nvSpPr>
+        <p:spPr>
+          <a:xfrm>
+            <a:off x="8150431" y="1678637"/>
+            <a:ext cx="3701143" cy="1143553"/>
+          </a:xfrm>
+          <a:prstGeom prst="borderCallout2">
+            <a:avLst>
+              <a:gd name="adj1" fmla="val 18750"/>
+              <a:gd name="adj2" fmla="val -8333"/>
+              <a:gd name="adj3" fmla="val 18750"/>
+              <a:gd name="adj4" fmla="val -16667"/>
+              <a:gd name="adj5" fmla="val 165461"/>
+              <a:gd name="adj6" fmla="val -23245"/>
+            </a:avLst>
+          </a:prstGeom>
+        </p:spPr>
+        <p:style>
+          <a:lnRef idx="2">
+            <a:schemeClr val="dk1"/>
+          </a:lnRef>
+          <a:fillRef idx="1">
+            <a:schemeClr val="lt1"/>
+          </a:fillRef>
+          <a:effectRef idx="0">
+            <a:schemeClr val="dk1"/>
+          </a:effectRef>
+          <a:fontRef idx="minor">
+            <a:schemeClr val="dk1"/>
+          </a:fontRef>
+        </p:style>
+        <p:txBody>
+          <a:bodyPr rtlCol="0" anchor="ctr"/>
+          <a:lstStyle/>
+          <a:p>
+            <a:r>
+              <a:rPr lang="ja-JP" altLang="en-US" dirty="0"/>
+              <a:t>この距離は</a:t>
+            </a:r>
+            <a:r>
+              <a:rPr lang="en-US" altLang="ja-JP" dirty="0"/>
+              <a:t>64</a:t>
+            </a:r>
+            <a:r>
+              <a:rPr lang="ja-JP" altLang="en-US" dirty="0"/>
+              <a:t>とする。</a:t>
+            </a:r>
+            <a:endParaRPr lang="en-US" altLang="ja-JP" dirty="0"/>
+          </a:p>
+          <a:p>
+            <a:r>
+              <a:rPr lang="ja-JP" altLang="en-US" dirty="0"/>
+              <a:t>理由は、ポッド同士の間で</a:t>
+            </a:r>
+            <a:endParaRPr lang="en-US" altLang="ja-JP" dirty="0"/>
+          </a:p>
+          <a:p>
+            <a:r>
+              <a:rPr lang="ja-JP" altLang="en-US" dirty="0"/>
+              <a:t>行われるビーム撃ちあい演出の</a:t>
+            </a:r>
+            <a:endParaRPr lang="en-US" altLang="ja-JP" dirty="0"/>
+          </a:p>
+          <a:p>
+            <a:r>
+              <a:rPr lang="ja-JP" altLang="en-US" dirty="0"/>
+              <a:t>ビーム画像が</a:t>
+            </a:r>
+            <a:r>
+              <a:rPr lang="en-US" altLang="ja-JP" dirty="0"/>
+              <a:t>64*32</a:t>
+            </a:r>
+            <a:r>
+              <a:rPr lang="ja-JP" altLang="en-US" dirty="0"/>
+              <a:t>だからで</a:t>
+            </a:r>
+            <a:r>
+              <a:rPr lang="ja-JP" altLang="en-US" dirty="0" smtClean="0"/>
+              <a:t>ある。</a:t>
+            </a:r>
+          </a:p>
+        </p:txBody>
+      </p:sp>
     </p:spTree>
     <p:extLst>
       <p:ext uri="{BB962C8B-B14F-4D97-AF65-F5344CB8AC3E}">
@@ -4336,39 +4424,23 @@
                   <a:schemeClr val="tx1"/>
                 </a:solidFill>
               </a:rPr>
-              <a:t>装備</a:t>
-            </a:r>
+              <a:t>装備レベルが一上がることに</a:t>
+            </a:r>
+            <a:endParaRPr lang="en-US" altLang="ja-JP" dirty="0" smtClean="0">
+              <a:solidFill>
+                <a:schemeClr val="tx1"/>
+              </a:solidFill>
+            </a:endParaRPr>
+          </a:p>
+          <a:p>
+            <a:pPr algn="ctr"/>
             <a:r>
               <a:rPr lang="ja-JP" altLang="en-US" dirty="0" smtClean="0">
                 <a:solidFill>
                   <a:schemeClr val="tx1"/>
                 </a:solidFill>
               </a:rPr>
-              <a:t>レベルが一上がることに</a:t>
-            </a:r>
-            <a:endParaRPr lang="en-US" altLang="ja-JP" dirty="0" smtClean="0">
-              <a:solidFill>
-                <a:schemeClr val="tx1"/>
-              </a:solidFill>
-            </a:endParaRPr>
-          </a:p>
-          <a:p>
-            <a:pPr algn="ctr"/>
-            <a:r>
-              <a:rPr lang="ja-JP" altLang="en-US" dirty="0" smtClean="0">
-                <a:solidFill>
-                  <a:schemeClr val="tx1"/>
-                </a:solidFill>
-              </a:rPr>
-              <a:t>攻撃力</a:t>
-            </a:r>
-            <a:r>
-              <a:rPr lang="ja-JP" altLang="en-US" dirty="0" smtClean="0">
-                <a:solidFill>
-                  <a:schemeClr val="tx1"/>
-                </a:solidFill>
-              </a:rPr>
-              <a:t>が</a:t>
+              <a:t>攻撃力が</a:t>
             </a:r>
             <a:r>
               <a:rPr lang="en-US" altLang="ja-JP" dirty="0" smtClean="0">
@@ -5255,6 +5327,94 @@
           </a:p>
         </p:txBody>
       </p:sp>
+      <p:sp>
+        <p:nvSpPr>
+          <p:cNvPr id="13" name="線吹き出し 2 (枠付き) 12"/>
+          <p:cNvSpPr/>
+          <p:nvPr/>
+        </p:nvSpPr>
+        <p:spPr>
+          <a:xfrm>
+            <a:off x="7308863" y="566079"/>
+            <a:ext cx="4694712" cy="1143552"/>
+          </a:xfrm>
+          <a:prstGeom prst="borderCallout2">
+            <a:avLst>
+              <a:gd name="adj1" fmla="val 18750"/>
+              <a:gd name="adj2" fmla="val -8333"/>
+              <a:gd name="adj3" fmla="val 18750"/>
+              <a:gd name="adj4" fmla="val -16667"/>
+              <a:gd name="adj5" fmla="val 167538"/>
+              <a:gd name="adj6" fmla="val -15404"/>
+            </a:avLst>
+          </a:prstGeom>
+        </p:spPr>
+        <p:style>
+          <a:lnRef idx="2">
+            <a:schemeClr val="dk1"/>
+          </a:lnRef>
+          <a:fillRef idx="1">
+            <a:schemeClr val="lt1"/>
+          </a:fillRef>
+          <a:effectRef idx="0">
+            <a:schemeClr val="dk1"/>
+          </a:effectRef>
+          <a:fontRef idx="minor">
+            <a:schemeClr val="dk1"/>
+          </a:fontRef>
+        </p:style>
+        <p:txBody>
+          <a:bodyPr rtlCol="0" anchor="ctr"/>
+          <a:lstStyle/>
+          <a:p>
+            <a:r>
+              <a:rPr lang="en-US" altLang="ja-JP" dirty="0" smtClean="0"/>
+              <a:t>64*64</a:t>
+            </a:r>
+            <a:r>
+              <a:rPr lang="ja-JP" altLang="en-US" dirty="0" smtClean="0"/>
+              <a:t>の上</a:t>
+            </a:r>
+            <a:r>
+              <a:rPr lang="en-US" altLang="ja-JP" dirty="0" smtClean="0"/>
+              <a:t>32</a:t>
+            </a:r>
+            <a:r>
+              <a:rPr lang="ja-JP" altLang="en-US" dirty="0" smtClean="0"/>
+              <a:t>部分はプレイヤーポッドレーザー、</a:t>
+            </a:r>
+            <a:endParaRPr lang="en-US" altLang="ja-JP" dirty="0" smtClean="0"/>
+          </a:p>
+          <a:p>
+            <a:r>
+              <a:rPr lang="ja-JP" altLang="en-US" dirty="0" smtClean="0"/>
+              <a:t>下</a:t>
+            </a:r>
+            <a:r>
+              <a:rPr lang="en-US" altLang="ja-JP" dirty="0" smtClean="0"/>
+              <a:t>32</a:t>
+            </a:r>
+            <a:r>
+              <a:rPr lang="ja-JP" altLang="en-US" dirty="0" smtClean="0"/>
+              <a:t>部分はエネミーポッドレーザーを発射し、</a:t>
+            </a:r>
+            <a:endParaRPr lang="en-US" altLang="ja-JP" dirty="0" smtClean="0"/>
+          </a:p>
+          <a:p>
+            <a:r>
+              <a:rPr lang="ja-JP" altLang="en-US" dirty="0" smtClean="0"/>
+              <a:t>互いがコスモパワーのエネルギー弾を</a:t>
+            </a:r>
+            <a:endParaRPr lang="en-US" altLang="ja-JP" dirty="0" smtClean="0"/>
+          </a:p>
+          <a:p>
+            <a:r>
+              <a:rPr lang="ja-JP" altLang="en-US" dirty="0" smtClean="0"/>
+              <a:t>撃ちあっているように見せる演出にする。</a:t>
+            </a:r>
+          </a:p>
+        </p:txBody>
+      </p:sp>
     </p:spTree>
     <p:extLst>
       <p:ext uri="{BB962C8B-B14F-4D97-AF65-F5344CB8AC3E}">

--- a/戦闘演出仕様.pptx
+++ b/戦闘演出仕様.pptx
@@ -4,6 +4,9 @@
   <p:sldMasterIdLst>
     <p:sldMasterId id="2147483648" r:id="rId1"/>
   </p:sldMasterIdLst>
+  <p:notesMasterIdLst>
+    <p:notesMasterId r:id="rId6"/>
+  </p:notesMasterIdLst>
   <p:sldIdLst>
     <p:sldId id="256" r:id="rId2"/>
     <p:sldId id="257" r:id="rId3"/>
@@ -127,6 +130,472 @@
 </p:cmAuthorLst>
 </file>
 
+<file path=ppt/notesMasters/notesMaster1.xml><?xml version="1.0" encoding="utf-8"?>
+<p:notesMaster xmlns:a="http://schemas.openxmlformats.org/drawingml/2006/main" xmlns:r="http://schemas.openxmlformats.org/officeDocument/2006/relationships" xmlns:p="http://schemas.openxmlformats.org/presentationml/2006/main">
+  <p:cSld>
+    <p:bg>
+      <p:bgRef idx="1001">
+        <a:schemeClr val="bg1"/>
+      </p:bgRef>
+    </p:bg>
+    <p:spTree>
+      <p:nvGrpSpPr>
+        <p:cNvPr id="1" name=""/>
+        <p:cNvGrpSpPr/>
+        <p:nvPr/>
+      </p:nvGrpSpPr>
+      <p:grpSpPr>
+        <a:xfrm>
+          <a:off x="0" y="0"/>
+          <a:ext cx="0" cy="0"/>
+          <a:chOff x="0" y="0"/>
+          <a:chExt cx="0" cy="0"/>
+        </a:xfrm>
+      </p:grpSpPr>
+      <p:sp>
+        <p:nvSpPr>
+          <p:cNvPr id="2" name="ヘッダー プレースホルダー 1"/>
+          <p:cNvSpPr>
+            <a:spLocks noGrp="1"/>
+          </p:cNvSpPr>
+          <p:nvPr>
+            <p:ph type="hdr" sz="quarter"/>
+          </p:nvPr>
+        </p:nvSpPr>
+        <p:spPr>
+          <a:xfrm>
+            <a:off x="0" y="0"/>
+            <a:ext cx="2971800" cy="458788"/>
+          </a:xfrm>
+          <a:prstGeom prst="rect">
+            <a:avLst/>
+          </a:prstGeom>
+        </p:spPr>
+        <p:txBody>
+          <a:bodyPr vert="horz" lIns="91440" tIns="45720" rIns="91440" bIns="45720" rtlCol="0"/>
+          <a:lstStyle>
+            <a:lvl1pPr algn="l">
+              <a:defRPr sz="1200"/>
+            </a:lvl1pPr>
+          </a:lstStyle>
+          <a:p>
+            <a:endParaRPr kumimoji="1" lang="ja-JP" altLang="en-US"/>
+          </a:p>
+        </p:txBody>
+      </p:sp>
+      <p:sp>
+        <p:nvSpPr>
+          <p:cNvPr id="3" name="日付プレースホルダー 2"/>
+          <p:cNvSpPr>
+            <a:spLocks noGrp="1"/>
+          </p:cNvSpPr>
+          <p:nvPr>
+            <p:ph type="dt" idx="1"/>
+          </p:nvPr>
+        </p:nvSpPr>
+        <p:spPr>
+          <a:xfrm>
+            <a:off x="3884613" y="0"/>
+            <a:ext cx="2971800" cy="458788"/>
+          </a:xfrm>
+          <a:prstGeom prst="rect">
+            <a:avLst/>
+          </a:prstGeom>
+        </p:spPr>
+        <p:txBody>
+          <a:bodyPr vert="horz" lIns="91440" tIns="45720" rIns="91440" bIns="45720" rtlCol="0"/>
+          <a:lstStyle>
+            <a:lvl1pPr algn="r">
+              <a:defRPr sz="1200"/>
+            </a:lvl1pPr>
+          </a:lstStyle>
+          <a:p>
+            <a:fld id="{69300A43-8FC6-4556-942A-698172F715C6}" type="datetimeFigureOut">
+              <a:rPr kumimoji="1" lang="ja-JP" altLang="en-US" smtClean="0"/>
+              <a:t>2019/7/4</a:t>
+            </a:fld>
+            <a:endParaRPr kumimoji="1" lang="ja-JP" altLang="en-US"/>
+          </a:p>
+        </p:txBody>
+      </p:sp>
+      <p:sp>
+        <p:nvSpPr>
+          <p:cNvPr id="4" name="スライド イメージ プレースホルダー 3"/>
+          <p:cNvSpPr>
+            <a:spLocks noGrp="1" noRot="1" noChangeAspect="1"/>
+          </p:cNvSpPr>
+          <p:nvPr>
+            <p:ph type="sldImg" idx="2"/>
+          </p:nvPr>
+        </p:nvSpPr>
+        <p:spPr>
+          <a:xfrm>
+            <a:off x="685800" y="1143000"/>
+            <a:ext cx="5486400" cy="3086100"/>
+          </a:xfrm>
+          <a:prstGeom prst="rect">
+            <a:avLst/>
+          </a:prstGeom>
+          <a:noFill/>
+          <a:ln w="12700">
+            <a:solidFill>
+              <a:prstClr val="black"/>
+            </a:solidFill>
+          </a:ln>
+        </p:spPr>
+        <p:txBody>
+          <a:bodyPr vert="horz" lIns="91440" tIns="45720" rIns="91440" bIns="45720" rtlCol="0" anchor="ctr"/>
+          <a:lstStyle/>
+          <a:p>
+            <a:endParaRPr lang="ja-JP" altLang="en-US"/>
+          </a:p>
+        </p:txBody>
+      </p:sp>
+      <p:sp>
+        <p:nvSpPr>
+          <p:cNvPr id="5" name="ノート プレースホルダー 4"/>
+          <p:cNvSpPr>
+            <a:spLocks noGrp="1"/>
+          </p:cNvSpPr>
+          <p:nvPr>
+            <p:ph type="body" sz="quarter" idx="3"/>
+          </p:nvPr>
+        </p:nvSpPr>
+        <p:spPr>
+          <a:xfrm>
+            <a:off x="685800" y="4400550"/>
+            <a:ext cx="5486400" cy="3600450"/>
+          </a:xfrm>
+          <a:prstGeom prst="rect">
+            <a:avLst/>
+          </a:prstGeom>
+        </p:spPr>
+        <p:txBody>
+          <a:bodyPr vert="horz" lIns="91440" tIns="45720" rIns="91440" bIns="45720" rtlCol="0"/>
+          <a:lstStyle/>
+          <a:p>
+            <a:pPr lvl="0"/>
+            <a:r>
+              <a:rPr kumimoji="1" lang="ja-JP" altLang="en-US" smtClean="0"/>
+              <a:t>マスター テキストの書式設定</a:t>
+            </a:r>
+          </a:p>
+          <a:p>
+            <a:pPr lvl="1"/>
+            <a:r>
+              <a:rPr kumimoji="1" lang="ja-JP" altLang="en-US" smtClean="0"/>
+              <a:t>第 </a:t>
+            </a:r>
+            <a:r>
+              <a:rPr kumimoji="1" lang="en-US" altLang="ja-JP" smtClean="0"/>
+              <a:t>2 </a:t>
+            </a:r>
+            <a:r>
+              <a:rPr kumimoji="1" lang="ja-JP" altLang="en-US" smtClean="0"/>
+              <a:t>レベル</a:t>
+            </a:r>
+          </a:p>
+          <a:p>
+            <a:pPr lvl="2"/>
+            <a:r>
+              <a:rPr kumimoji="1" lang="ja-JP" altLang="en-US" smtClean="0"/>
+              <a:t>第 </a:t>
+            </a:r>
+            <a:r>
+              <a:rPr kumimoji="1" lang="en-US" altLang="ja-JP" smtClean="0"/>
+              <a:t>3 </a:t>
+            </a:r>
+            <a:r>
+              <a:rPr kumimoji="1" lang="ja-JP" altLang="en-US" smtClean="0"/>
+              <a:t>レベル</a:t>
+            </a:r>
+          </a:p>
+          <a:p>
+            <a:pPr lvl="3"/>
+            <a:r>
+              <a:rPr kumimoji="1" lang="ja-JP" altLang="en-US" smtClean="0"/>
+              <a:t>第 </a:t>
+            </a:r>
+            <a:r>
+              <a:rPr kumimoji="1" lang="en-US" altLang="ja-JP" smtClean="0"/>
+              <a:t>4 </a:t>
+            </a:r>
+            <a:r>
+              <a:rPr kumimoji="1" lang="ja-JP" altLang="en-US" smtClean="0"/>
+              <a:t>レベル</a:t>
+            </a:r>
+          </a:p>
+          <a:p>
+            <a:pPr lvl="4"/>
+            <a:r>
+              <a:rPr kumimoji="1" lang="ja-JP" altLang="en-US" smtClean="0"/>
+              <a:t>第 </a:t>
+            </a:r>
+            <a:r>
+              <a:rPr kumimoji="1" lang="en-US" altLang="ja-JP" smtClean="0"/>
+              <a:t>5 </a:t>
+            </a:r>
+            <a:r>
+              <a:rPr kumimoji="1" lang="ja-JP" altLang="en-US" smtClean="0"/>
+              <a:t>レベル</a:t>
+            </a:r>
+            <a:endParaRPr kumimoji="1" lang="ja-JP" altLang="en-US"/>
+          </a:p>
+        </p:txBody>
+      </p:sp>
+      <p:sp>
+        <p:nvSpPr>
+          <p:cNvPr id="6" name="フッター プレースホルダー 5"/>
+          <p:cNvSpPr>
+            <a:spLocks noGrp="1"/>
+          </p:cNvSpPr>
+          <p:nvPr>
+            <p:ph type="ftr" sz="quarter" idx="4"/>
+          </p:nvPr>
+        </p:nvSpPr>
+        <p:spPr>
+          <a:xfrm>
+            <a:off x="0" y="8685213"/>
+            <a:ext cx="2971800" cy="458787"/>
+          </a:xfrm>
+          <a:prstGeom prst="rect">
+            <a:avLst/>
+          </a:prstGeom>
+        </p:spPr>
+        <p:txBody>
+          <a:bodyPr vert="horz" lIns="91440" tIns="45720" rIns="91440" bIns="45720" rtlCol="0" anchor="b"/>
+          <a:lstStyle>
+            <a:lvl1pPr algn="l">
+              <a:defRPr sz="1200"/>
+            </a:lvl1pPr>
+          </a:lstStyle>
+          <a:p>
+            <a:endParaRPr kumimoji="1" lang="ja-JP" altLang="en-US"/>
+          </a:p>
+        </p:txBody>
+      </p:sp>
+      <p:sp>
+        <p:nvSpPr>
+          <p:cNvPr id="7" name="スライド番号プレースホルダー 6"/>
+          <p:cNvSpPr>
+            <a:spLocks noGrp="1"/>
+          </p:cNvSpPr>
+          <p:nvPr>
+            <p:ph type="sldNum" sz="quarter" idx="5"/>
+          </p:nvPr>
+        </p:nvSpPr>
+        <p:spPr>
+          <a:xfrm>
+            <a:off x="3884613" y="8685213"/>
+            <a:ext cx="2971800" cy="458787"/>
+          </a:xfrm>
+          <a:prstGeom prst="rect">
+            <a:avLst/>
+          </a:prstGeom>
+        </p:spPr>
+        <p:txBody>
+          <a:bodyPr vert="horz" lIns="91440" tIns="45720" rIns="91440" bIns="45720" rtlCol="0" anchor="b"/>
+          <a:lstStyle>
+            <a:lvl1pPr algn="r">
+              <a:defRPr sz="1200"/>
+            </a:lvl1pPr>
+          </a:lstStyle>
+          <a:p>
+            <a:fld id="{F2E084BB-C728-4935-A956-8DD5AEFE2AEB}" type="slidenum">
+              <a:rPr kumimoji="1" lang="ja-JP" altLang="en-US" smtClean="0"/>
+              <a:t>‹#›</a:t>
+            </a:fld>
+            <a:endParaRPr kumimoji="1" lang="ja-JP" altLang="en-US"/>
+          </a:p>
+        </p:txBody>
+      </p:sp>
+    </p:spTree>
+    <p:extLst>
+      <p:ext uri="{BB962C8B-B14F-4D97-AF65-F5344CB8AC3E}">
+        <p14:creationId xmlns:p14="http://schemas.microsoft.com/office/powerpoint/2010/main" val="174732973"/>
+      </p:ext>
+    </p:extLst>
+  </p:cSld>
+  <p:clrMap bg1="lt1" tx1="dk1" bg2="lt2" tx2="dk2" accent1="accent1" accent2="accent2" accent3="accent3" accent4="accent4" accent5="accent5" accent6="accent6" hlink="hlink" folHlink="folHlink"/>
+  <p:notesStyle>
+    <a:lvl1pPr marL="0" algn="l" defTabSz="914400" rtl="0" eaLnBrk="1" latinLnBrk="0" hangingPunct="1">
+      <a:defRPr kumimoji="1" sz="1200" kern="1200">
+        <a:solidFill>
+          <a:schemeClr val="tx1"/>
+        </a:solidFill>
+        <a:latin typeface="+mn-lt"/>
+        <a:ea typeface="+mn-ea"/>
+        <a:cs typeface="+mn-cs"/>
+      </a:defRPr>
+    </a:lvl1pPr>
+    <a:lvl2pPr marL="457200" algn="l" defTabSz="914400" rtl="0" eaLnBrk="1" latinLnBrk="0" hangingPunct="1">
+      <a:defRPr kumimoji="1" sz="1200" kern="1200">
+        <a:solidFill>
+          <a:schemeClr val="tx1"/>
+        </a:solidFill>
+        <a:latin typeface="+mn-lt"/>
+        <a:ea typeface="+mn-ea"/>
+        <a:cs typeface="+mn-cs"/>
+      </a:defRPr>
+    </a:lvl2pPr>
+    <a:lvl3pPr marL="914400" algn="l" defTabSz="914400" rtl="0" eaLnBrk="1" latinLnBrk="0" hangingPunct="1">
+      <a:defRPr kumimoji="1" sz="1200" kern="1200">
+        <a:solidFill>
+          <a:schemeClr val="tx1"/>
+        </a:solidFill>
+        <a:latin typeface="+mn-lt"/>
+        <a:ea typeface="+mn-ea"/>
+        <a:cs typeface="+mn-cs"/>
+      </a:defRPr>
+    </a:lvl3pPr>
+    <a:lvl4pPr marL="1371600" algn="l" defTabSz="914400" rtl="0" eaLnBrk="1" latinLnBrk="0" hangingPunct="1">
+      <a:defRPr kumimoji="1" sz="1200" kern="1200">
+        <a:solidFill>
+          <a:schemeClr val="tx1"/>
+        </a:solidFill>
+        <a:latin typeface="+mn-lt"/>
+        <a:ea typeface="+mn-ea"/>
+        <a:cs typeface="+mn-cs"/>
+      </a:defRPr>
+    </a:lvl4pPr>
+    <a:lvl5pPr marL="1828800" algn="l" defTabSz="914400" rtl="0" eaLnBrk="1" latinLnBrk="0" hangingPunct="1">
+      <a:defRPr kumimoji="1" sz="1200" kern="1200">
+        <a:solidFill>
+          <a:schemeClr val="tx1"/>
+        </a:solidFill>
+        <a:latin typeface="+mn-lt"/>
+        <a:ea typeface="+mn-ea"/>
+        <a:cs typeface="+mn-cs"/>
+      </a:defRPr>
+    </a:lvl5pPr>
+    <a:lvl6pPr marL="2286000" algn="l" defTabSz="914400" rtl="0" eaLnBrk="1" latinLnBrk="0" hangingPunct="1">
+      <a:defRPr kumimoji="1" sz="1200" kern="1200">
+        <a:solidFill>
+          <a:schemeClr val="tx1"/>
+        </a:solidFill>
+        <a:latin typeface="+mn-lt"/>
+        <a:ea typeface="+mn-ea"/>
+        <a:cs typeface="+mn-cs"/>
+      </a:defRPr>
+    </a:lvl6pPr>
+    <a:lvl7pPr marL="2743200" algn="l" defTabSz="914400" rtl="0" eaLnBrk="1" latinLnBrk="0" hangingPunct="1">
+      <a:defRPr kumimoji="1" sz="1200" kern="1200">
+        <a:solidFill>
+          <a:schemeClr val="tx1"/>
+        </a:solidFill>
+        <a:latin typeface="+mn-lt"/>
+        <a:ea typeface="+mn-ea"/>
+        <a:cs typeface="+mn-cs"/>
+      </a:defRPr>
+    </a:lvl7pPr>
+    <a:lvl8pPr marL="3200400" algn="l" defTabSz="914400" rtl="0" eaLnBrk="1" latinLnBrk="0" hangingPunct="1">
+      <a:defRPr kumimoji="1" sz="1200" kern="1200">
+        <a:solidFill>
+          <a:schemeClr val="tx1"/>
+        </a:solidFill>
+        <a:latin typeface="+mn-lt"/>
+        <a:ea typeface="+mn-ea"/>
+        <a:cs typeface="+mn-cs"/>
+      </a:defRPr>
+    </a:lvl8pPr>
+    <a:lvl9pPr marL="3657600" algn="l" defTabSz="914400" rtl="0" eaLnBrk="1" latinLnBrk="0" hangingPunct="1">
+      <a:defRPr kumimoji="1" sz="1200" kern="1200">
+        <a:solidFill>
+          <a:schemeClr val="tx1"/>
+        </a:solidFill>
+        <a:latin typeface="+mn-lt"/>
+        <a:ea typeface="+mn-ea"/>
+        <a:cs typeface="+mn-cs"/>
+      </a:defRPr>
+    </a:lvl9pPr>
+  </p:notesStyle>
+</p:notesMaster>
+</file>
+
+<file path=ppt/notesSlides/notesSlide1.xml><?xml version="1.0" encoding="utf-8"?>
+<p:notes xmlns:a="http://schemas.openxmlformats.org/drawingml/2006/main" xmlns:r="http://schemas.openxmlformats.org/officeDocument/2006/relationships" xmlns:p="http://schemas.openxmlformats.org/presentationml/2006/main">
+  <p:cSld>
+    <p:spTree>
+      <p:nvGrpSpPr>
+        <p:cNvPr id="1" name=""/>
+        <p:cNvGrpSpPr/>
+        <p:nvPr/>
+      </p:nvGrpSpPr>
+      <p:grpSpPr>
+        <a:xfrm>
+          <a:off x="0" y="0"/>
+          <a:ext cx="0" cy="0"/>
+          <a:chOff x="0" y="0"/>
+          <a:chExt cx="0" cy="0"/>
+        </a:xfrm>
+      </p:grpSpPr>
+      <p:sp>
+        <p:nvSpPr>
+          <p:cNvPr id="2" name="スライド イメージ プレースホルダー 1"/>
+          <p:cNvSpPr>
+            <a:spLocks noGrp="1" noRot="1" noChangeAspect="1"/>
+          </p:cNvSpPr>
+          <p:nvPr>
+            <p:ph type="sldImg"/>
+          </p:nvPr>
+        </p:nvSpPr>
+        <p:spPr/>
+      </p:sp>
+      <p:sp>
+        <p:nvSpPr>
+          <p:cNvPr id="3" name="ノート プレースホルダー 2"/>
+          <p:cNvSpPr>
+            <a:spLocks noGrp="1"/>
+          </p:cNvSpPr>
+          <p:nvPr>
+            <p:ph type="body" idx="1"/>
+          </p:nvPr>
+        </p:nvSpPr>
+        <p:spPr/>
+        <p:txBody>
+          <a:bodyPr/>
+          <a:lstStyle/>
+          <a:p>
+            <a:endParaRPr kumimoji="1" lang="ja-JP" altLang="en-US" dirty="0"/>
+          </a:p>
+        </p:txBody>
+      </p:sp>
+      <p:sp>
+        <p:nvSpPr>
+          <p:cNvPr id="4" name="スライド番号プレースホルダー 3"/>
+          <p:cNvSpPr>
+            <a:spLocks noGrp="1"/>
+          </p:cNvSpPr>
+          <p:nvPr>
+            <p:ph type="sldNum" sz="quarter" idx="10"/>
+          </p:nvPr>
+        </p:nvSpPr>
+        <p:spPr/>
+        <p:txBody>
+          <a:bodyPr/>
+          <a:lstStyle/>
+          <a:p>
+            <a:fld id="{F2E084BB-C728-4935-A956-8DD5AEFE2AEB}" type="slidenum">
+              <a:rPr kumimoji="1" lang="ja-JP" altLang="en-US" smtClean="0"/>
+              <a:t>3</a:t>
+            </a:fld>
+            <a:endParaRPr kumimoji="1" lang="ja-JP" altLang="en-US"/>
+          </a:p>
+        </p:txBody>
+      </p:sp>
+    </p:spTree>
+    <p:extLst>
+      <p:ext uri="{BB962C8B-B14F-4D97-AF65-F5344CB8AC3E}">
+        <p14:creationId xmlns:p14="http://schemas.microsoft.com/office/powerpoint/2010/main" val="2058758699"/>
+      </p:ext>
+    </p:extLst>
+  </p:cSld>
+  <p:clrMapOvr>
+    <a:masterClrMapping/>
+  </p:clrMapOvr>
+</p:notes>
+</file>
+
 <file path=ppt/slideLayouts/slideLayout1.xml><?xml version="1.0" encoding="utf-8"?>
 <p:sldLayout xmlns:a="http://schemas.openxmlformats.org/drawingml/2006/main" xmlns:r="http://schemas.openxmlformats.org/officeDocument/2006/relationships" xmlns:p="http://schemas.openxmlformats.org/presentationml/2006/main" type="title" preserve="1">
   <p:cSld name="タイトル スライド">
@@ -258,7 +727,7 @@
           <a:p>
             <a:fld id="{A35D52F1-D5A2-4FFB-A9DC-B433757B15A2}" type="datetimeFigureOut">
               <a:rPr kumimoji="1" lang="ja-JP" altLang="en-US" smtClean="0"/>
-              <a:t>2019/7/2</a:t>
+              <a:t>2019/7/4</a:t>
             </a:fld>
             <a:endParaRPr kumimoji="1" lang="ja-JP" altLang="en-US"/>
           </a:p>
@@ -460,7 +929,7 @@
           <a:p>
             <a:fld id="{A35D52F1-D5A2-4FFB-A9DC-B433757B15A2}" type="datetimeFigureOut">
               <a:rPr kumimoji="1" lang="ja-JP" altLang="en-US" smtClean="0"/>
-              <a:t>2019/7/2</a:t>
+              <a:t>2019/7/4</a:t>
             </a:fld>
             <a:endParaRPr kumimoji="1" lang="ja-JP" altLang="en-US"/>
           </a:p>
@@ -672,7 +1141,7 @@
           <a:p>
             <a:fld id="{A35D52F1-D5A2-4FFB-A9DC-B433757B15A2}" type="datetimeFigureOut">
               <a:rPr kumimoji="1" lang="ja-JP" altLang="en-US" smtClean="0"/>
-              <a:t>2019/7/2</a:t>
+              <a:t>2019/7/4</a:t>
             </a:fld>
             <a:endParaRPr kumimoji="1" lang="ja-JP" altLang="en-US"/>
           </a:p>
@@ -874,7 +1343,7 @@
           <a:p>
             <a:fld id="{A35D52F1-D5A2-4FFB-A9DC-B433757B15A2}" type="datetimeFigureOut">
               <a:rPr kumimoji="1" lang="ja-JP" altLang="en-US" smtClean="0"/>
-              <a:t>2019/7/2</a:t>
+              <a:t>2019/7/4</a:t>
             </a:fld>
             <a:endParaRPr kumimoji="1" lang="ja-JP" altLang="en-US"/>
           </a:p>
@@ -1120,7 +1589,7 @@
           <a:p>
             <a:fld id="{A35D52F1-D5A2-4FFB-A9DC-B433757B15A2}" type="datetimeFigureOut">
               <a:rPr kumimoji="1" lang="ja-JP" altLang="en-US" smtClean="0"/>
-              <a:t>2019/7/2</a:t>
+              <a:t>2019/7/4</a:t>
             </a:fld>
             <a:endParaRPr kumimoji="1" lang="ja-JP" altLang="en-US"/>
           </a:p>
@@ -1416,7 +1885,7 @@
           <a:p>
             <a:fld id="{A35D52F1-D5A2-4FFB-A9DC-B433757B15A2}" type="datetimeFigureOut">
               <a:rPr kumimoji="1" lang="ja-JP" altLang="en-US" smtClean="0"/>
-              <a:t>2019/7/2</a:t>
+              <a:t>2019/7/4</a:t>
             </a:fld>
             <a:endParaRPr kumimoji="1" lang="ja-JP" altLang="en-US"/>
           </a:p>
@@ -1847,7 +2316,7 @@
           <a:p>
             <a:fld id="{A35D52F1-D5A2-4FFB-A9DC-B433757B15A2}" type="datetimeFigureOut">
               <a:rPr kumimoji="1" lang="ja-JP" altLang="en-US" smtClean="0"/>
-              <a:t>2019/7/2</a:t>
+              <a:t>2019/7/4</a:t>
             </a:fld>
             <a:endParaRPr kumimoji="1" lang="ja-JP" altLang="en-US"/>
           </a:p>
@@ -1965,7 +2434,7 @@
           <a:p>
             <a:fld id="{A35D52F1-D5A2-4FFB-A9DC-B433757B15A2}" type="datetimeFigureOut">
               <a:rPr kumimoji="1" lang="ja-JP" altLang="en-US" smtClean="0"/>
-              <a:t>2019/7/2</a:t>
+              <a:t>2019/7/4</a:t>
             </a:fld>
             <a:endParaRPr kumimoji="1" lang="ja-JP" altLang="en-US"/>
           </a:p>
@@ -2060,7 +2529,7 @@
           <a:p>
             <a:fld id="{A35D52F1-D5A2-4FFB-A9DC-B433757B15A2}" type="datetimeFigureOut">
               <a:rPr kumimoji="1" lang="ja-JP" altLang="en-US" smtClean="0"/>
-              <a:t>2019/7/2</a:t>
+              <a:t>2019/7/4</a:t>
             </a:fld>
             <a:endParaRPr kumimoji="1" lang="ja-JP" altLang="en-US"/>
           </a:p>
@@ -2369,7 +2838,7 @@
           <a:p>
             <a:fld id="{A35D52F1-D5A2-4FFB-A9DC-B433757B15A2}" type="datetimeFigureOut">
               <a:rPr kumimoji="1" lang="ja-JP" altLang="en-US" smtClean="0"/>
-              <a:t>2019/7/2</a:t>
+              <a:t>2019/7/4</a:t>
             </a:fld>
             <a:endParaRPr kumimoji="1" lang="ja-JP" altLang="en-US"/>
           </a:p>
@@ -2622,7 +3091,7 @@
           <a:p>
             <a:fld id="{A35D52F1-D5A2-4FFB-A9DC-B433757B15A2}" type="datetimeFigureOut">
               <a:rPr kumimoji="1" lang="ja-JP" altLang="en-US" smtClean="0"/>
-              <a:t>2019/7/2</a:t>
+              <a:t>2019/7/4</a:t>
             </a:fld>
             <a:endParaRPr kumimoji="1" lang="ja-JP" altLang="en-US"/>
           </a:p>
@@ -2867,7 +3336,7 @@
           <a:p>
             <a:fld id="{A35D52F1-D5A2-4FFB-A9DC-B433757B15A2}" type="datetimeFigureOut">
               <a:rPr kumimoji="1" lang="ja-JP" altLang="en-US" smtClean="0"/>
-              <a:t>2019/7/2</a:t>
+              <a:t>2019/7/4</a:t>
             </a:fld>
             <a:endParaRPr kumimoji="1" lang="ja-JP" altLang="en-US"/>
           </a:p>
@@ -4209,7 +4678,7 @@
             <p:nvPr/>
           </p:nvPicPr>
           <p:blipFill rotWithShape="1">
-            <a:blip r:embed="rId2">
+            <a:blip r:embed="rId3">
               <a:extLst>
                 <a:ext uri="{28A0092B-C50C-407E-A947-70E740481C1C}">
                   <a14:useLocalDpi xmlns:a14="http://schemas.microsoft.com/office/drawing/2010/main" val="0"/>
@@ -4238,7 +4707,7 @@
             <p:nvPr/>
           </p:nvPicPr>
           <p:blipFill>
-            <a:blip r:embed="rId3">
+            <a:blip r:embed="rId4">
               <a:extLst>
                 <a:ext uri="{28A0092B-C50C-407E-A947-70E740481C1C}">
                   <a14:useLocalDpi xmlns:a14="http://schemas.microsoft.com/office/drawing/2010/main" val="0"/>
@@ -4268,7 +4737,7 @@
             <p:nvPr/>
           </p:nvPicPr>
           <p:blipFill>
-            <a:blip r:embed="rId3">
+            <a:blip r:embed="rId4">
               <a:extLst>
                 <a:ext uri="{28A0092B-C50C-407E-A947-70E740481C1C}">
                   <a14:useLocalDpi xmlns:a14="http://schemas.microsoft.com/office/drawing/2010/main" val="0"/>
@@ -4298,7 +4767,7 @@
             <p:nvPr/>
           </p:nvPicPr>
           <p:blipFill>
-            <a:blip r:embed="rId3">
+            <a:blip r:embed="rId4">
               <a:extLst>
                 <a:ext uri="{28A0092B-C50C-407E-A947-70E740481C1C}">
                   <a14:useLocalDpi xmlns:a14="http://schemas.microsoft.com/office/drawing/2010/main" val="0"/>
@@ -4751,7 +5220,7 @@
             <p:nvPr/>
           </p:nvPicPr>
           <p:blipFill rotWithShape="1">
-            <a:blip r:embed="rId2">
+            <a:blip r:embed="rId3">
               <a:extLst>
                 <a:ext uri="{28A0092B-C50C-407E-A947-70E740481C1C}">
                   <a14:useLocalDpi xmlns:a14="http://schemas.microsoft.com/office/drawing/2010/main" val="0"/>
@@ -4780,7 +5249,7 @@
             <p:nvPr/>
           </p:nvPicPr>
           <p:blipFill>
-            <a:blip r:embed="rId3">
+            <a:blip r:embed="rId4">
               <a:extLst>
                 <a:ext uri="{28A0092B-C50C-407E-A947-70E740481C1C}">
                   <a14:useLocalDpi xmlns:a14="http://schemas.microsoft.com/office/drawing/2010/main" val="0"/>
@@ -4810,7 +5279,7 @@
             <p:nvPr/>
           </p:nvPicPr>
           <p:blipFill>
-            <a:blip r:embed="rId3">
+            <a:blip r:embed="rId4">
               <a:extLst>
                 <a:ext uri="{28A0092B-C50C-407E-A947-70E740481C1C}">
                   <a14:useLocalDpi xmlns:a14="http://schemas.microsoft.com/office/drawing/2010/main" val="0"/>
@@ -4840,7 +5309,7 @@
             <p:nvPr/>
           </p:nvPicPr>
           <p:blipFill>
-            <a:blip r:embed="rId3">
+            <a:blip r:embed="rId4">
               <a:extLst>
                 <a:ext uri="{28A0092B-C50C-407E-A947-70E740481C1C}">
                   <a14:useLocalDpi xmlns:a14="http://schemas.microsoft.com/office/drawing/2010/main" val="0"/>
@@ -4946,6 +5415,254 @@
                 <a:schemeClr val="tx1"/>
               </a:solidFill>
             </a:endParaRPr>
+          </a:p>
+        </p:txBody>
+      </p:sp>
+      <p:sp>
+        <p:nvSpPr>
+          <p:cNvPr id="3" name="乗算記号 2"/>
+          <p:cNvSpPr/>
+          <p:nvPr/>
+        </p:nvSpPr>
+        <p:spPr>
+          <a:xfrm>
+            <a:off x="1457831" y="757322"/>
+            <a:ext cx="5064398" cy="406772"/>
+          </a:xfrm>
+          <a:prstGeom prst="mathMultiply">
+            <a:avLst/>
+          </a:prstGeom>
+          <a:solidFill>
+            <a:srgbClr val="FF0000"/>
+          </a:solidFill>
+        </p:spPr>
+        <p:style>
+          <a:lnRef idx="2">
+            <a:schemeClr val="accent1">
+              <a:shade val="50000"/>
+            </a:schemeClr>
+          </a:lnRef>
+          <a:fillRef idx="1">
+            <a:schemeClr val="accent1"/>
+          </a:fillRef>
+          <a:effectRef idx="0">
+            <a:schemeClr val="accent1"/>
+          </a:effectRef>
+          <a:fontRef idx="minor">
+            <a:schemeClr val="lt1"/>
+          </a:fontRef>
+        </p:style>
+        <p:txBody>
+          <a:bodyPr rtlCol="0" anchor="ctr"/>
+          <a:lstStyle/>
+          <a:p>
+            <a:pPr algn="ctr"/>
+            <a:endParaRPr kumimoji="1" lang="ja-JP" altLang="en-US"/>
+          </a:p>
+        </p:txBody>
+      </p:sp>
+      <p:sp>
+        <p:nvSpPr>
+          <p:cNvPr id="33" name="線吹き出し 2 (枠付き) 32"/>
+          <p:cNvSpPr/>
+          <p:nvPr/>
+        </p:nvSpPr>
+        <p:spPr>
+          <a:xfrm>
+            <a:off x="7556665" y="176975"/>
+            <a:ext cx="3701143" cy="328917"/>
+          </a:xfrm>
+          <a:prstGeom prst="borderCallout2">
+            <a:avLst>
+              <a:gd name="adj1" fmla="val 18750"/>
+              <a:gd name="adj2" fmla="val -8333"/>
+              <a:gd name="adj3" fmla="val 18750"/>
+              <a:gd name="adj4" fmla="val -16667"/>
+              <a:gd name="adj5" fmla="val 194344"/>
+              <a:gd name="adj6" fmla="val -58539"/>
+            </a:avLst>
+          </a:prstGeom>
+        </p:spPr>
+        <p:style>
+          <a:lnRef idx="2">
+            <a:schemeClr val="dk1"/>
+          </a:lnRef>
+          <a:fillRef idx="1">
+            <a:schemeClr val="lt1"/>
+          </a:fillRef>
+          <a:effectRef idx="0">
+            <a:schemeClr val="dk1"/>
+          </a:effectRef>
+          <a:fontRef idx="minor">
+            <a:schemeClr val="dk1"/>
+          </a:fontRef>
+        </p:style>
+        <p:txBody>
+          <a:bodyPr rtlCol="0" anchor="ctr"/>
+          <a:lstStyle/>
+          <a:p>
+            <a:r>
+              <a:rPr lang="ja-JP" altLang="en-US" dirty="0" smtClean="0"/>
+              <a:t>攻撃演出は４ｐのものにして欲しい。</a:t>
+            </a:r>
+            <a:endParaRPr lang="en-US" altLang="ja-JP" dirty="0" smtClean="0"/>
+          </a:p>
+        </p:txBody>
+      </p:sp>
+      <p:sp>
+        <p:nvSpPr>
+          <p:cNvPr id="34" name="線吹き出し 2 (枠付き) 33"/>
+          <p:cNvSpPr/>
+          <p:nvPr/>
+        </p:nvSpPr>
+        <p:spPr>
+          <a:xfrm>
+            <a:off x="66123" y="4122704"/>
+            <a:ext cx="2850274" cy="1173466"/>
+          </a:xfrm>
+          <a:prstGeom prst="borderCallout2">
+            <a:avLst>
+              <a:gd name="adj1" fmla="val 34942"/>
+              <a:gd name="adj2" fmla="val 104993"/>
+              <a:gd name="adj3" fmla="val 91613"/>
+              <a:gd name="adj4" fmla="val 106658"/>
+              <a:gd name="adj5" fmla="val 123505"/>
+              <a:gd name="adj6" fmla="val 125615"/>
+            </a:avLst>
+          </a:prstGeom>
+        </p:spPr>
+        <p:style>
+          <a:lnRef idx="2">
+            <a:schemeClr val="dk1"/>
+          </a:lnRef>
+          <a:fillRef idx="1">
+            <a:schemeClr val="lt1"/>
+          </a:fillRef>
+          <a:effectRef idx="0">
+            <a:schemeClr val="dk1"/>
+          </a:effectRef>
+          <a:fontRef idx="minor">
+            <a:schemeClr val="dk1"/>
+          </a:fontRef>
+        </p:style>
+        <p:txBody>
+          <a:bodyPr rtlCol="0" anchor="ctr"/>
+          <a:lstStyle/>
+          <a:p>
+            <a:r>
+              <a:rPr lang="ja-JP" altLang="en-US" dirty="0" smtClean="0"/>
+              <a:t>撃破後は撃破したポッドに</a:t>
+            </a:r>
+            <a:endParaRPr lang="en-US" altLang="ja-JP" dirty="0" smtClean="0"/>
+          </a:p>
+          <a:p>
+            <a:r>
+              <a:rPr lang="ja-JP" altLang="en-US" dirty="0" smtClean="0"/>
+              <a:t>爆破エフェクトやって、</a:t>
+            </a:r>
+            <a:endParaRPr lang="en-US" altLang="ja-JP" dirty="0" smtClean="0"/>
+          </a:p>
+          <a:p>
+            <a:r>
+              <a:rPr lang="ja-JP" altLang="en-US" dirty="0" smtClean="0"/>
+              <a:t>その後生存したポッドは</a:t>
+            </a:r>
+            <a:endParaRPr lang="en-US" altLang="ja-JP" dirty="0" smtClean="0"/>
+          </a:p>
+          <a:p>
+            <a:r>
+              <a:rPr lang="ja-JP" altLang="en-US" dirty="0" smtClean="0"/>
+              <a:t>通常の移動処理に戻る。</a:t>
+            </a:r>
+            <a:endParaRPr lang="en-US" altLang="ja-JP" dirty="0" smtClean="0"/>
+          </a:p>
+        </p:txBody>
+      </p:sp>
+      <p:sp>
+        <p:nvSpPr>
+          <p:cNvPr id="35" name="線吹き出し 2 (枠付き) 34"/>
+          <p:cNvSpPr/>
+          <p:nvPr/>
+        </p:nvSpPr>
+        <p:spPr>
+          <a:xfrm>
+            <a:off x="8482186" y="4767845"/>
+            <a:ext cx="3436488" cy="1919929"/>
+          </a:xfrm>
+          <a:prstGeom prst="borderCallout2">
+            <a:avLst>
+              <a:gd name="adj1" fmla="val -7561"/>
+              <a:gd name="adj2" fmla="val 89788"/>
+              <a:gd name="adj3" fmla="val -39946"/>
+              <a:gd name="adj4" fmla="val 95599"/>
+              <a:gd name="adj5" fmla="val -102169"/>
+              <a:gd name="adj6" fmla="val 68596"/>
+            </a:avLst>
+          </a:prstGeom>
+        </p:spPr>
+        <p:style>
+          <a:lnRef idx="2">
+            <a:schemeClr val="dk1"/>
+          </a:lnRef>
+          <a:fillRef idx="1">
+            <a:schemeClr val="lt1"/>
+          </a:fillRef>
+          <a:effectRef idx="0">
+            <a:schemeClr val="dk1"/>
+          </a:effectRef>
+          <a:fontRef idx="minor">
+            <a:schemeClr val="dk1"/>
+          </a:fontRef>
+        </p:style>
+        <p:txBody>
+          <a:bodyPr rtlCol="0" anchor="ctr"/>
+          <a:lstStyle/>
+          <a:p>
+            <a:r>
+              <a:rPr lang="ja-JP" altLang="en-US" dirty="0" smtClean="0"/>
+              <a:t>攻撃しあってない時であっても、ポッド同士が重なるレベルで</a:t>
+            </a:r>
+            <a:endParaRPr lang="en-US" altLang="ja-JP" dirty="0" smtClean="0"/>
+          </a:p>
+          <a:p>
+            <a:r>
+              <a:rPr lang="ja-JP" altLang="en-US" dirty="0" smtClean="0"/>
+              <a:t>距離が近い時は</a:t>
+            </a:r>
+            <a:endParaRPr lang="en-US" altLang="ja-JP" dirty="0" smtClean="0"/>
+          </a:p>
+          <a:p>
+            <a:r>
+              <a:rPr lang="ja-JP" altLang="en-US" dirty="0" smtClean="0"/>
+              <a:t>後ろのポッドを止めたい。</a:t>
+            </a:r>
+            <a:endParaRPr lang="en-US" altLang="ja-JP" dirty="0" smtClean="0"/>
+          </a:p>
+          <a:p>
+            <a:r>
+              <a:rPr lang="en-US" altLang="ja-JP" dirty="0" smtClean="0"/>
+              <a:t>※</a:t>
+            </a:r>
+            <a:r>
+              <a:rPr lang="ja-JP" altLang="en-US" dirty="0" smtClean="0"/>
+              <a:t>距離が重ならないレベルまで</a:t>
+            </a:r>
+            <a:endParaRPr lang="en-US" altLang="ja-JP" dirty="0" smtClean="0"/>
+          </a:p>
+          <a:p>
+            <a:r>
+              <a:rPr lang="ja-JP" altLang="en-US" dirty="0" smtClean="0"/>
+              <a:t>離れたら</a:t>
+            </a:r>
+            <a:r>
+              <a:rPr lang="ja-JP" altLang="en-US" dirty="0"/>
+              <a:t>、</a:t>
+            </a:r>
+            <a:r>
+              <a:rPr lang="ja-JP" altLang="en-US" dirty="0" smtClean="0"/>
+              <a:t>後ろポッド移動する。</a:t>
+            </a:r>
+            <a:endParaRPr lang="en-US" altLang="ja-JP" dirty="0" smtClean="0"/>
           </a:p>
         </p:txBody>
       </p:sp>
@@ -5687,4 +6404,265 @@
     </a:ext>
   </a:extLst>
 </a:theme>
+</file>
+
+<file path=ppt/theme/theme2.xml><?xml version="1.0" encoding="utf-8"?>
+<a:theme xmlns:a="http://schemas.openxmlformats.org/drawingml/2006/main" name="Office テーマ">
+  <a:themeElements>
+    <a:clrScheme name="Office">
+      <a:dk1>
+        <a:sysClr val="windowText" lastClr="000000"/>
+      </a:dk1>
+      <a:lt1>
+        <a:sysClr val="window" lastClr="FFFFFF"/>
+      </a:lt1>
+      <a:dk2>
+        <a:srgbClr val="44546A"/>
+      </a:dk2>
+      <a:lt2>
+        <a:srgbClr val="E7E6E6"/>
+      </a:lt2>
+      <a:accent1>
+        <a:srgbClr val="5B9BD5"/>
+      </a:accent1>
+      <a:accent2>
+        <a:srgbClr val="ED7D31"/>
+      </a:accent2>
+      <a:accent3>
+        <a:srgbClr val="A5A5A5"/>
+      </a:accent3>
+      <a:accent4>
+        <a:srgbClr val="FFC000"/>
+      </a:accent4>
+      <a:accent5>
+        <a:srgbClr val="4472C4"/>
+      </a:accent5>
+      <a:accent6>
+        <a:srgbClr val="70AD47"/>
+      </a:accent6>
+      <a:hlink>
+        <a:srgbClr val="0563C1"/>
+      </a:hlink>
+      <a:folHlink>
+        <a:srgbClr val="954F72"/>
+      </a:folHlink>
+    </a:clrScheme>
+    <a:fontScheme name="Office">
+      <a:majorFont>
+        <a:latin typeface="Calibri Light" panose="020F0302020204030204"/>
+        <a:ea typeface=""/>
+        <a:cs typeface=""/>
+        <a:font script="Jpan" typeface="ＭＳ Ｐゴシック"/>
+        <a:font script="Hang" typeface="맑은 고딕"/>
+        <a:font script="Hans" typeface="宋体"/>
+        <a:font script="Hant" typeface="新細明體"/>
+        <a:font script="Arab" typeface="Times New Roman"/>
+        <a:font script="Hebr" typeface="Times New Roman"/>
+        <a:font script="Thai" typeface="Angsana New"/>
+        <a:font script="Ethi" typeface="Nyala"/>
+        <a:font script="Beng" typeface="Vrinda"/>
+        <a:font script="Gujr" typeface="Shruti"/>
+        <a:font script="Khmr" typeface="MoolBoran"/>
+        <a:font script="Knda" typeface="Tunga"/>
+        <a:font script="Guru" typeface="Raavi"/>
+        <a:font script="Cans" typeface="Euphemia"/>
+        <a:font script="Cher" typeface="Plantagenet Cherokee"/>
+        <a:font script="Yiii" typeface="Microsoft Yi Baiti"/>
+        <a:font script="Tibt" typeface="Microsoft Himalaya"/>
+        <a:font script="Thaa" typeface="MV Boli"/>
+        <a:font script="Deva" typeface="Mangal"/>
+        <a:font script="Telu" typeface="Gautami"/>
+        <a:font script="Taml" typeface="Latha"/>
+        <a:font script="Syrc" typeface="Estrangelo Edessa"/>
+        <a:font script="Orya" typeface="Kalinga"/>
+        <a:font script="Mlym" typeface="Kartika"/>
+        <a:font script="Laoo" typeface="DokChampa"/>
+        <a:font script="Sinh" typeface="Iskoola Pota"/>
+        <a:font script="Mong" typeface="Mongolian Baiti"/>
+        <a:font script="Viet" typeface="Times New Roman"/>
+        <a:font script="Uigh" typeface="Microsoft Uighur"/>
+        <a:font script="Geor" typeface="Sylfaen"/>
+      </a:majorFont>
+      <a:minorFont>
+        <a:latin typeface="Calibri" panose="020F0502020204030204"/>
+        <a:ea typeface=""/>
+        <a:cs typeface=""/>
+        <a:font script="Jpan" typeface="ＭＳ Ｐゴシック"/>
+        <a:font script="Hang" typeface="맑은 고딕"/>
+        <a:font script="Hans" typeface="宋体"/>
+        <a:font script="Hant" typeface="新細明體"/>
+        <a:font script="Arab" typeface="Arial"/>
+        <a:font script="Hebr" typeface="Arial"/>
+        <a:font script="Thai" typeface="Cordia New"/>
+        <a:font script="Ethi" typeface="Nyala"/>
+        <a:font script="Beng" typeface="Vrinda"/>
+        <a:font script="Gujr" typeface="Shruti"/>
+        <a:font script="Khmr" typeface="DaunPenh"/>
+        <a:font script="Knda" typeface="Tunga"/>
+        <a:font script="Guru" typeface="Raavi"/>
+        <a:font script="Cans" typeface="Euphemia"/>
+        <a:font script="Cher" typeface="Plantagenet Cherokee"/>
+        <a:font script="Yiii" typeface="Microsoft Yi Baiti"/>
+        <a:font script="Tibt" typeface="Microsoft Himalaya"/>
+        <a:font script="Thaa" typeface="MV Boli"/>
+        <a:font script="Deva" typeface="Mangal"/>
+        <a:font script="Telu" typeface="Gautami"/>
+        <a:font script="Taml" typeface="Latha"/>
+        <a:font script="Syrc" typeface="Estrangelo Edessa"/>
+        <a:font script="Orya" typeface="Kalinga"/>
+        <a:font script="Mlym" typeface="Kartika"/>
+        <a:font script="Laoo" typeface="DokChampa"/>
+        <a:font script="Sinh" typeface="Iskoola Pota"/>
+        <a:font script="Mong" typeface="Mongolian Baiti"/>
+        <a:font script="Viet" typeface="Arial"/>
+        <a:font script="Uigh" typeface="Microsoft Uighur"/>
+        <a:font script="Geor" typeface="Sylfaen"/>
+      </a:minorFont>
+    </a:fontScheme>
+    <a:fmtScheme name="Office">
+      <a:fillStyleLst>
+        <a:solidFill>
+          <a:schemeClr val="phClr"/>
+        </a:solidFill>
+        <a:gradFill rotWithShape="1">
+          <a:gsLst>
+            <a:gs pos="0">
+              <a:schemeClr val="phClr">
+                <a:lumMod val="110000"/>
+                <a:satMod val="105000"/>
+                <a:tint val="67000"/>
+              </a:schemeClr>
+            </a:gs>
+            <a:gs pos="50000">
+              <a:schemeClr val="phClr">
+                <a:lumMod val="105000"/>
+                <a:satMod val="103000"/>
+                <a:tint val="73000"/>
+              </a:schemeClr>
+            </a:gs>
+            <a:gs pos="100000">
+              <a:schemeClr val="phClr">
+                <a:lumMod val="105000"/>
+                <a:satMod val="109000"/>
+                <a:tint val="81000"/>
+              </a:schemeClr>
+            </a:gs>
+          </a:gsLst>
+          <a:lin ang="5400000" scaled="0"/>
+        </a:gradFill>
+        <a:gradFill rotWithShape="1">
+          <a:gsLst>
+            <a:gs pos="0">
+              <a:schemeClr val="phClr">
+                <a:satMod val="103000"/>
+                <a:lumMod val="102000"/>
+                <a:tint val="94000"/>
+              </a:schemeClr>
+            </a:gs>
+            <a:gs pos="50000">
+              <a:schemeClr val="phClr">
+                <a:satMod val="110000"/>
+                <a:lumMod val="100000"/>
+                <a:shade val="100000"/>
+              </a:schemeClr>
+            </a:gs>
+            <a:gs pos="100000">
+              <a:schemeClr val="phClr">
+                <a:lumMod val="99000"/>
+                <a:satMod val="120000"/>
+                <a:shade val="78000"/>
+              </a:schemeClr>
+            </a:gs>
+          </a:gsLst>
+          <a:lin ang="5400000" scaled="0"/>
+        </a:gradFill>
+      </a:fillStyleLst>
+      <a:lnStyleLst>
+        <a:ln w="6350" cap="flat" cmpd="sng" algn="ctr">
+          <a:solidFill>
+            <a:schemeClr val="phClr"/>
+          </a:solidFill>
+          <a:prstDash val="solid"/>
+          <a:miter lim="800000"/>
+        </a:ln>
+        <a:ln w="12700" cap="flat" cmpd="sng" algn="ctr">
+          <a:solidFill>
+            <a:schemeClr val="phClr"/>
+          </a:solidFill>
+          <a:prstDash val="solid"/>
+          <a:miter lim="800000"/>
+        </a:ln>
+        <a:ln w="19050" cap="flat" cmpd="sng" algn="ctr">
+          <a:solidFill>
+            <a:schemeClr val="phClr"/>
+          </a:solidFill>
+          <a:prstDash val="solid"/>
+          <a:miter lim="800000"/>
+        </a:ln>
+      </a:lnStyleLst>
+      <a:effectStyleLst>
+        <a:effectStyle>
+          <a:effectLst/>
+        </a:effectStyle>
+        <a:effectStyle>
+          <a:effectLst/>
+        </a:effectStyle>
+        <a:effectStyle>
+          <a:effectLst>
+            <a:outerShdw blurRad="57150" dist="19050" dir="5400000" algn="ctr" rotWithShape="0">
+              <a:srgbClr val="000000">
+                <a:alpha val="63000"/>
+              </a:srgbClr>
+            </a:outerShdw>
+          </a:effectLst>
+        </a:effectStyle>
+      </a:effectStyleLst>
+      <a:bgFillStyleLst>
+        <a:solidFill>
+          <a:schemeClr val="phClr"/>
+        </a:solidFill>
+        <a:solidFill>
+          <a:schemeClr val="phClr">
+            <a:tint val="95000"/>
+            <a:satMod val="170000"/>
+          </a:schemeClr>
+        </a:solidFill>
+        <a:gradFill rotWithShape="1">
+          <a:gsLst>
+            <a:gs pos="0">
+              <a:schemeClr val="phClr">
+                <a:tint val="93000"/>
+                <a:satMod val="150000"/>
+                <a:shade val="98000"/>
+                <a:lumMod val="102000"/>
+              </a:schemeClr>
+            </a:gs>
+            <a:gs pos="50000">
+              <a:schemeClr val="phClr">
+                <a:tint val="98000"/>
+                <a:satMod val="130000"/>
+                <a:shade val="90000"/>
+                <a:lumMod val="103000"/>
+              </a:schemeClr>
+            </a:gs>
+            <a:gs pos="100000">
+              <a:schemeClr val="phClr">
+                <a:shade val="63000"/>
+                <a:satMod val="120000"/>
+              </a:schemeClr>
+            </a:gs>
+          </a:gsLst>
+          <a:lin ang="5400000" scaled="0"/>
+        </a:gradFill>
+      </a:bgFillStyleLst>
+    </a:fmtScheme>
+  </a:themeElements>
+  <a:objectDefaults/>
+  <a:extraClrSchemeLst/>
+  <a:extLst>
+    <a:ext uri="{05A4C25C-085E-4340-85A3-A5531E510DB2}">
+      <thm15:themeFamily xmlns:thm15="http://schemas.microsoft.com/office/thememl/2012/main" name="Office Theme" id="{62F939B6-93AF-4DB8-9C6B-D6C7DFDC589F}" vid="{4A3C46E8-61CC-4603-A589-7422A47A8E4A}"/>
+    </a:ext>
+  </a:extLst>
+</a:theme>
 </file>
--- a/戦闘演出仕様.pptx
+++ b/戦闘演出仕様.pptx
@@ -212,7 +212,7 @@
           <a:p>
             <a:fld id="{69300A43-8FC6-4556-942A-698172F715C6}" type="datetimeFigureOut">
               <a:rPr kumimoji="1" lang="ja-JP" altLang="en-US" smtClean="0"/>
-              <a:t>2019/7/4</a:t>
+              <a:t>2019/7/5</a:t>
             </a:fld>
             <a:endParaRPr kumimoji="1" lang="ja-JP" altLang="en-US"/>
           </a:p>
@@ -727,7 +727,7 @@
           <a:p>
             <a:fld id="{A35D52F1-D5A2-4FFB-A9DC-B433757B15A2}" type="datetimeFigureOut">
               <a:rPr kumimoji="1" lang="ja-JP" altLang="en-US" smtClean="0"/>
-              <a:t>2019/7/4</a:t>
+              <a:t>2019/7/5</a:t>
             </a:fld>
             <a:endParaRPr kumimoji="1" lang="ja-JP" altLang="en-US"/>
           </a:p>
@@ -929,7 +929,7 @@
           <a:p>
             <a:fld id="{A35D52F1-D5A2-4FFB-A9DC-B433757B15A2}" type="datetimeFigureOut">
               <a:rPr kumimoji="1" lang="ja-JP" altLang="en-US" smtClean="0"/>
-              <a:t>2019/7/4</a:t>
+              <a:t>2019/7/5</a:t>
             </a:fld>
             <a:endParaRPr kumimoji="1" lang="ja-JP" altLang="en-US"/>
           </a:p>
@@ -1141,7 +1141,7 @@
           <a:p>
             <a:fld id="{A35D52F1-D5A2-4FFB-A9DC-B433757B15A2}" type="datetimeFigureOut">
               <a:rPr kumimoji="1" lang="ja-JP" altLang="en-US" smtClean="0"/>
-              <a:t>2019/7/4</a:t>
+              <a:t>2019/7/5</a:t>
             </a:fld>
             <a:endParaRPr kumimoji="1" lang="ja-JP" altLang="en-US"/>
           </a:p>
@@ -1343,7 +1343,7 @@
           <a:p>
             <a:fld id="{A35D52F1-D5A2-4FFB-A9DC-B433757B15A2}" type="datetimeFigureOut">
               <a:rPr kumimoji="1" lang="ja-JP" altLang="en-US" smtClean="0"/>
-              <a:t>2019/7/4</a:t>
+              <a:t>2019/7/5</a:t>
             </a:fld>
             <a:endParaRPr kumimoji="1" lang="ja-JP" altLang="en-US"/>
           </a:p>
@@ -1589,7 +1589,7 @@
           <a:p>
             <a:fld id="{A35D52F1-D5A2-4FFB-A9DC-B433757B15A2}" type="datetimeFigureOut">
               <a:rPr kumimoji="1" lang="ja-JP" altLang="en-US" smtClean="0"/>
-              <a:t>2019/7/4</a:t>
+              <a:t>2019/7/5</a:t>
             </a:fld>
             <a:endParaRPr kumimoji="1" lang="ja-JP" altLang="en-US"/>
           </a:p>
@@ -1885,7 +1885,7 @@
           <a:p>
             <a:fld id="{A35D52F1-D5A2-4FFB-A9DC-B433757B15A2}" type="datetimeFigureOut">
               <a:rPr kumimoji="1" lang="ja-JP" altLang="en-US" smtClean="0"/>
-              <a:t>2019/7/4</a:t>
+              <a:t>2019/7/5</a:t>
             </a:fld>
             <a:endParaRPr kumimoji="1" lang="ja-JP" altLang="en-US"/>
           </a:p>
@@ -2316,7 +2316,7 @@
           <a:p>
             <a:fld id="{A35D52F1-D5A2-4FFB-A9DC-B433757B15A2}" type="datetimeFigureOut">
               <a:rPr kumimoji="1" lang="ja-JP" altLang="en-US" smtClean="0"/>
-              <a:t>2019/7/4</a:t>
+              <a:t>2019/7/5</a:t>
             </a:fld>
             <a:endParaRPr kumimoji="1" lang="ja-JP" altLang="en-US"/>
           </a:p>
@@ -2434,7 +2434,7 @@
           <a:p>
             <a:fld id="{A35D52F1-D5A2-4FFB-A9DC-B433757B15A2}" type="datetimeFigureOut">
               <a:rPr kumimoji="1" lang="ja-JP" altLang="en-US" smtClean="0"/>
-              <a:t>2019/7/4</a:t>
+              <a:t>2019/7/5</a:t>
             </a:fld>
             <a:endParaRPr kumimoji="1" lang="ja-JP" altLang="en-US"/>
           </a:p>
@@ -2529,7 +2529,7 @@
           <a:p>
             <a:fld id="{A35D52F1-D5A2-4FFB-A9DC-B433757B15A2}" type="datetimeFigureOut">
               <a:rPr kumimoji="1" lang="ja-JP" altLang="en-US" smtClean="0"/>
-              <a:t>2019/7/4</a:t>
+              <a:t>2019/7/5</a:t>
             </a:fld>
             <a:endParaRPr kumimoji="1" lang="ja-JP" altLang="en-US"/>
           </a:p>
@@ -2838,7 +2838,7 @@
           <a:p>
             <a:fld id="{A35D52F1-D5A2-4FFB-A9DC-B433757B15A2}" type="datetimeFigureOut">
               <a:rPr kumimoji="1" lang="ja-JP" altLang="en-US" smtClean="0"/>
-              <a:t>2019/7/4</a:t>
+              <a:t>2019/7/5</a:t>
             </a:fld>
             <a:endParaRPr kumimoji="1" lang="ja-JP" altLang="en-US"/>
           </a:p>
@@ -3091,7 +3091,7 @@
           <a:p>
             <a:fld id="{A35D52F1-D5A2-4FFB-A9DC-B433757B15A2}" type="datetimeFigureOut">
               <a:rPr kumimoji="1" lang="ja-JP" altLang="en-US" smtClean="0"/>
-              <a:t>2019/7/4</a:t>
+              <a:t>2019/7/5</a:t>
             </a:fld>
             <a:endParaRPr kumimoji="1" lang="ja-JP" altLang="en-US"/>
           </a:p>
@@ -3336,7 +3336,7 @@
           <a:p>
             <a:fld id="{A35D52F1-D5A2-4FFB-A9DC-B433757B15A2}" type="datetimeFigureOut">
               <a:rPr kumimoji="1" lang="ja-JP" altLang="en-US" smtClean="0"/>
-              <a:t>2019/7/4</a:t>
+              <a:t>2019/7/5</a:t>
             </a:fld>
             <a:endParaRPr kumimoji="1" lang="ja-JP" altLang="en-US"/>
           </a:p>
@@ -5661,6 +5661,80 @@
             <a:r>
               <a:rPr lang="ja-JP" altLang="en-US" dirty="0" smtClean="0"/>
               <a:t>後ろポッド移動する。</a:t>
+            </a:r>
+            <a:endParaRPr lang="en-US" altLang="ja-JP" dirty="0" smtClean="0"/>
+          </a:p>
+        </p:txBody>
+      </p:sp>
+      <p:sp>
+        <p:nvSpPr>
+          <p:cNvPr id="36" name="線吹き出し 2 (枠付き) 35"/>
+          <p:cNvSpPr/>
+          <p:nvPr/>
+        </p:nvSpPr>
+        <p:spPr>
+          <a:xfrm>
+            <a:off x="6015280" y="1351473"/>
+            <a:ext cx="4542118" cy="961906"/>
+          </a:xfrm>
+          <a:prstGeom prst="borderCallout2">
+            <a:avLst>
+              <a:gd name="adj1" fmla="val 45910"/>
+              <a:gd name="adj2" fmla="val -1274"/>
+              <a:gd name="adj3" fmla="val 140972"/>
+              <a:gd name="adj4" fmla="val -1503"/>
+              <a:gd name="adj5" fmla="val 205455"/>
+              <a:gd name="adj6" fmla="val 33491"/>
+            </a:avLst>
+          </a:prstGeom>
+        </p:spPr>
+        <p:style>
+          <a:lnRef idx="2">
+            <a:schemeClr val="dk1"/>
+          </a:lnRef>
+          <a:fillRef idx="1">
+            <a:schemeClr val="lt1"/>
+          </a:fillRef>
+          <a:effectRef idx="0">
+            <a:schemeClr val="dk1"/>
+          </a:effectRef>
+          <a:fontRef idx="minor">
+            <a:schemeClr val="dk1"/>
+          </a:fontRef>
+        </p:style>
+        <p:txBody>
+          <a:bodyPr rtlCol="0" anchor="ctr"/>
+          <a:lstStyle/>
+          <a:p>
+            <a:r>
+              <a:rPr lang="ja-JP" altLang="en-US" dirty="0" smtClean="0"/>
+              <a:t>ミサイルはポッドよりも描画優先順位高い。</a:t>
+            </a:r>
+            <a:endParaRPr lang="en-US" altLang="ja-JP" dirty="0" smtClean="0"/>
+          </a:p>
+          <a:p>
+            <a:r>
+              <a:rPr lang="en-US" altLang="ja-JP" dirty="0" smtClean="0"/>
+              <a:t>※</a:t>
+            </a:r>
+            <a:r>
+              <a:rPr lang="ja-JP" altLang="en-US" dirty="0" smtClean="0"/>
+              <a:t>ミサイルがポッドの手前を通っていれば</a:t>
+            </a:r>
+            <a:r>
+              <a:rPr lang="en-US" altLang="ja-JP" dirty="0" smtClean="0"/>
+              <a:t>OK</a:t>
+            </a:r>
+            <a:r>
+              <a:rPr lang="ja-JP" altLang="en-US" dirty="0" smtClean="0"/>
+              <a:t>。</a:t>
+            </a:r>
+            <a:endParaRPr lang="en-US" altLang="ja-JP" dirty="0" smtClean="0"/>
+          </a:p>
+          <a:p>
+            <a:r>
+              <a:rPr lang="ja-JP" altLang="en-US" dirty="0" smtClean="0"/>
+              <a:t>ポッドの裏にいってはダメ。</a:t>
             </a:r>
             <a:endParaRPr lang="en-US" altLang="ja-JP" dirty="0" smtClean="0"/>
           </a:p>
